--- a/Bất đồng bộ Javascript.pptx
+++ b/Bất đồng bộ Javascript.pptx
@@ -13,7 +13,8 @@
     <p:sldId id="261" r:id="rId7"/>
     <p:sldId id="262" r:id="rId8"/>
     <p:sldId id="263" r:id="rId9"/>
-    <p:sldId id="264" r:id="rId10"/>
+    <p:sldId id="265" r:id="rId10"/>
+    <p:sldId id="264" r:id="rId11"/>
   </p:sldIdLst>
   <p:sldSz cx="12192000" cy="6858000"/>
   <p:notesSz cx="6858000" cy="9144000"/>
@@ -3056,6 +3057,139 @@
 </p:sld>
 </file>
 
+<file path=ppt/slides/slide10.xml><?xml version="1.0" encoding="utf-8"?>
+<p:sld xmlns:a="http://schemas.openxmlformats.org/drawingml/2006/main" xmlns:r="http://schemas.openxmlformats.org/officeDocument/2006/relationships" xmlns:p="http://schemas.openxmlformats.org/presentationml/2006/main">
+  <p:cSld>
+    <p:spTree>
+      <p:nvGrpSpPr>
+        <p:cNvPr id="1" name=""/>
+        <p:cNvGrpSpPr/>
+        <p:nvPr/>
+      </p:nvGrpSpPr>
+      <p:grpSpPr>
+        <a:xfrm>
+          <a:off x="0" y="0"/>
+          <a:ext cx="0" cy="0"/>
+          <a:chOff x="0" y="0"/>
+          <a:chExt cx="0" cy="0"/>
+        </a:xfrm>
+      </p:grpSpPr>
+      <p:sp>
+        <p:nvSpPr>
+          <p:cNvPr id="2" name="Title 1"/>
+          <p:cNvSpPr>
+            <a:spLocks noGrp="1"/>
+          </p:cNvSpPr>
+          <p:nvPr>
+            <p:ph type="title"/>
+          </p:nvPr>
+        </p:nvSpPr>
+        <p:spPr/>
+        <p:txBody>
+          <a:bodyPr/>
+          <a:lstStyle/>
+          <a:p>
+            <a:endParaRPr lang="en-US" dirty="0"/>
+          </a:p>
+        </p:txBody>
+      </p:sp>
+      <p:sp>
+        <p:nvSpPr>
+          <p:cNvPr id="6" name="Content Placeholder 5"/>
+          <p:cNvSpPr>
+            <a:spLocks noGrp="1"/>
+          </p:cNvSpPr>
+          <p:nvPr>
+            <p:ph idx="1"/>
+          </p:nvPr>
+        </p:nvSpPr>
+        <p:spPr/>
+        <p:txBody>
+          <a:bodyPr/>
+          <a:lstStyle/>
+          <a:p>
+            <a:r>
+              <a:rPr lang="en-US" dirty="0"/>
+              <a:t>Job Queue/ </a:t>
+            </a:r>
+            <a:r>
+              <a:rPr lang="en-US" dirty="0" smtClean="0"/>
+              <a:t>Micro-Task Queue</a:t>
+            </a:r>
+          </a:p>
+          <a:p>
+            <a:endParaRPr lang="en-US" dirty="0"/>
+          </a:p>
+        </p:txBody>
+      </p:sp>
+      <p:pic>
+        <p:nvPicPr>
+          <p:cNvPr id="3" name="Picture 2"/>
+          <p:cNvPicPr>
+            <a:picLocks noChangeAspect="1"/>
+          </p:cNvPicPr>
+          <p:nvPr/>
+        </p:nvPicPr>
+        <p:blipFill>
+          <a:blip r:embed="rId2"/>
+          <a:stretch>
+            <a:fillRect/>
+          </a:stretch>
+        </p:blipFill>
+        <p:spPr>
+          <a:xfrm>
+            <a:off x="838200" y="2967831"/>
+            <a:ext cx="3848100" cy="2066925"/>
+          </a:xfrm>
+          <a:prstGeom prst="rect">
+            <a:avLst/>
+          </a:prstGeom>
+        </p:spPr>
+      </p:pic>
+      <p:pic>
+        <p:nvPicPr>
+          <p:cNvPr id="5" name="Picture 4"/>
+          <p:cNvPicPr>
+            <a:picLocks noChangeAspect="1"/>
+          </p:cNvPicPr>
+          <p:nvPr/>
+        </p:nvPicPr>
+        <p:blipFill>
+          <a:blip r:embed="rId3"/>
+          <a:stretch>
+            <a:fillRect/>
+          </a:stretch>
+        </p:blipFill>
+        <p:spPr>
+          <a:xfrm>
+            <a:off x="4768993" y="3277393"/>
+            <a:ext cx="6810375" cy="1447800"/>
+          </a:xfrm>
+          <a:prstGeom prst="rect">
+            <a:avLst/>
+          </a:prstGeom>
+        </p:spPr>
+      </p:pic>
+    </p:spTree>
+    <p:extLst>
+      <p:ext uri="{BB962C8B-B14F-4D97-AF65-F5344CB8AC3E}">
+        <p14:creationId xmlns:p14="http://schemas.microsoft.com/office/powerpoint/2010/main" val="276597173"/>
+      </p:ext>
+    </p:extLst>
+  </p:cSld>
+  <p:clrMapOvr>
+    <a:masterClrMapping/>
+  </p:clrMapOvr>
+  <p:timing>
+    <p:tnLst>
+      <p:par>
+        <p:cTn id="1" dur="indefinite" restart="never" nodeType="tmRoot"/>
+      </p:par>
+    </p:tnLst>
+  </p:timing>
+</p:sld>
+</file>
+
 <file path=ppt/slides/slide2.xml><?xml version="1.0" encoding="utf-8"?>
 <p:sld xmlns:a="http://schemas.openxmlformats.org/drawingml/2006/main" xmlns:r="http://schemas.openxmlformats.org/officeDocument/2006/relationships" xmlns:p="http://schemas.openxmlformats.org/presentationml/2006/main">
   <p:cSld>
@@ -3931,54 +4065,6 @@
           <a:chExt cx="0" cy="0"/>
         </a:xfrm>
       </p:grpSpPr>
-      <p:sp>
-        <p:nvSpPr>
-          <p:cNvPr id="2" name="Title 1"/>
-          <p:cNvSpPr>
-            <a:spLocks noGrp="1"/>
-          </p:cNvSpPr>
-          <p:nvPr>
-            <p:ph type="title"/>
-          </p:nvPr>
-        </p:nvSpPr>
-        <p:spPr/>
-        <p:txBody>
-          <a:bodyPr/>
-          <a:lstStyle/>
-          <a:p>
-            <a:endParaRPr lang="en-US" dirty="0"/>
-          </a:p>
-        </p:txBody>
-      </p:sp>
-      <p:sp>
-        <p:nvSpPr>
-          <p:cNvPr id="6" name="Content Placeholder 5"/>
-          <p:cNvSpPr>
-            <a:spLocks noGrp="1"/>
-          </p:cNvSpPr>
-          <p:nvPr>
-            <p:ph idx="1"/>
-          </p:nvPr>
-        </p:nvSpPr>
-        <p:spPr/>
-        <p:txBody>
-          <a:bodyPr/>
-          <a:lstStyle/>
-          <a:p>
-            <a:r>
-              <a:rPr lang="en-US" dirty="0"/>
-              <a:t>Job Queue/ </a:t>
-            </a:r>
-            <a:r>
-              <a:rPr lang="en-US" dirty="0" smtClean="0"/>
-              <a:t>Micro-Task Queue</a:t>
-            </a:r>
-          </a:p>
-          <a:p>
-            <a:endParaRPr lang="en-US" dirty="0"/>
-          </a:p>
-        </p:txBody>
-      </p:sp>
       <p:pic>
         <p:nvPicPr>
           <p:cNvPr id="3" name="Picture 2"/>
@@ -3988,39 +4074,21 @@
           <p:nvPr/>
         </p:nvPicPr>
         <p:blipFill>
-          <a:blip r:embed="rId2"/>
+          <a:blip r:embed="rId2">
+            <a:extLst>
+              <a:ext uri="{28A0092B-C50C-407E-A947-70E740481C1C}">
+                <a14:useLocalDpi xmlns:a14="http://schemas.microsoft.com/office/drawing/2010/main" val="0"/>
+              </a:ext>
+            </a:extLst>
+          </a:blip>
           <a:stretch>
             <a:fillRect/>
           </a:stretch>
         </p:blipFill>
         <p:spPr>
           <a:xfrm>
-            <a:off x="838200" y="2967831"/>
-            <a:ext cx="3848100" cy="2066925"/>
-          </a:xfrm>
-          <a:prstGeom prst="rect">
-            <a:avLst/>
-          </a:prstGeom>
-        </p:spPr>
-      </p:pic>
-      <p:pic>
-        <p:nvPicPr>
-          <p:cNvPr id="5" name="Picture 4"/>
-          <p:cNvPicPr>
-            <a:picLocks noChangeAspect="1"/>
-          </p:cNvPicPr>
-          <p:nvPr/>
-        </p:nvPicPr>
-        <p:blipFill>
-          <a:blip r:embed="rId3"/>
-          <a:stretch>
-            <a:fillRect/>
-          </a:stretch>
-        </p:blipFill>
-        <p:spPr>
-          <a:xfrm>
-            <a:off x="4768993" y="3277393"/>
-            <a:ext cx="6810375" cy="1447800"/>
+            <a:off x="2762250" y="809625"/>
+            <a:ext cx="6667500" cy="5238750"/>
           </a:xfrm>
           <a:prstGeom prst="rect">
             <a:avLst/>
@@ -4030,7 +4098,7 @@
     </p:spTree>
     <p:extLst>
       <p:ext uri="{BB962C8B-B14F-4D97-AF65-F5344CB8AC3E}">
-        <p14:creationId xmlns:p14="http://schemas.microsoft.com/office/powerpoint/2010/main" val="276597173"/>
+        <p14:creationId xmlns:p14="http://schemas.microsoft.com/office/powerpoint/2010/main" val="2917553738"/>
       </p:ext>
     </p:extLst>
   </p:cSld>
